--- a/relazione_esame/Relazione Ingegneria del Software.pptx
+++ b/relazione_esame/Relazione Ingegneria del Software.pptx
@@ -3125,7 +3125,7 @@
           <a:p>
             <a:fld id="{05D35302-9149-E745-9377-7BCC7686722D}" type="datetimeFigureOut">
               <a:rPr lang="it-IT" smtClean="0"/>
-              <a:t>02/08/24</a:t>
+              <a:t>02/08/2024</a:t>
             </a:fld>
             <a:endParaRPr lang="it-IT"/>
           </a:p>
@@ -3323,7 +3323,7 @@
           <a:p>
             <a:fld id="{05D35302-9149-E745-9377-7BCC7686722D}" type="datetimeFigureOut">
               <a:rPr lang="it-IT" smtClean="0"/>
-              <a:t>02/08/24</a:t>
+              <a:t>02/08/2024</a:t>
             </a:fld>
             <a:endParaRPr lang="it-IT"/>
           </a:p>
@@ -3531,7 +3531,7 @@
           <a:p>
             <a:fld id="{05D35302-9149-E745-9377-7BCC7686722D}" type="datetimeFigureOut">
               <a:rPr lang="it-IT" smtClean="0"/>
-              <a:t>02/08/24</a:t>
+              <a:t>02/08/2024</a:t>
             </a:fld>
             <a:endParaRPr lang="it-IT"/>
           </a:p>
@@ -3729,7 +3729,7 @@
           <a:p>
             <a:fld id="{05D35302-9149-E745-9377-7BCC7686722D}" type="datetimeFigureOut">
               <a:rPr lang="it-IT" smtClean="0"/>
-              <a:t>02/08/24</a:t>
+              <a:t>02/08/2024</a:t>
             </a:fld>
             <a:endParaRPr lang="it-IT"/>
           </a:p>
@@ -4004,7 +4004,7 @@
           <a:p>
             <a:fld id="{05D35302-9149-E745-9377-7BCC7686722D}" type="datetimeFigureOut">
               <a:rPr lang="it-IT" smtClean="0"/>
-              <a:t>02/08/24</a:t>
+              <a:t>02/08/2024</a:t>
             </a:fld>
             <a:endParaRPr lang="it-IT"/>
           </a:p>
@@ -4269,7 +4269,7 @@
           <a:p>
             <a:fld id="{05D35302-9149-E745-9377-7BCC7686722D}" type="datetimeFigureOut">
               <a:rPr lang="it-IT" smtClean="0"/>
-              <a:t>02/08/24</a:t>
+              <a:t>02/08/2024</a:t>
             </a:fld>
             <a:endParaRPr lang="it-IT"/>
           </a:p>
@@ -4681,7 +4681,7 @@
           <a:p>
             <a:fld id="{05D35302-9149-E745-9377-7BCC7686722D}" type="datetimeFigureOut">
               <a:rPr lang="it-IT" smtClean="0"/>
-              <a:t>02/08/24</a:t>
+              <a:t>02/08/2024</a:t>
             </a:fld>
             <a:endParaRPr lang="it-IT"/>
           </a:p>
@@ -4822,7 +4822,7 @@
           <a:p>
             <a:fld id="{05D35302-9149-E745-9377-7BCC7686722D}" type="datetimeFigureOut">
               <a:rPr lang="it-IT" smtClean="0"/>
-              <a:t>02/08/24</a:t>
+              <a:t>02/08/2024</a:t>
             </a:fld>
             <a:endParaRPr lang="it-IT"/>
           </a:p>
@@ -4935,7 +4935,7 @@
           <a:p>
             <a:fld id="{05D35302-9149-E745-9377-7BCC7686722D}" type="datetimeFigureOut">
               <a:rPr lang="it-IT" smtClean="0"/>
-              <a:t>02/08/24</a:t>
+              <a:t>02/08/2024</a:t>
             </a:fld>
             <a:endParaRPr lang="it-IT"/>
           </a:p>
@@ -5246,7 +5246,7 @@
           <a:p>
             <a:fld id="{05D35302-9149-E745-9377-7BCC7686722D}" type="datetimeFigureOut">
               <a:rPr lang="it-IT" smtClean="0"/>
-              <a:t>02/08/24</a:t>
+              <a:t>02/08/2024</a:t>
             </a:fld>
             <a:endParaRPr lang="it-IT"/>
           </a:p>
@@ -5534,7 +5534,7 @@
           <a:p>
             <a:fld id="{05D35302-9149-E745-9377-7BCC7686722D}" type="datetimeFigureOut">
               <a:rPr lang="it-IT" smtClean="0"/>
-              <a:t>02/08/24</a:t>
+              <a:t>02/08/2024</a:t>
             </a:fld>
             <a:endParaRPr lang="it-IT"/>
           </a:p>
@@ -5775,7 +5775,7 @@
           <a:p>
             <a:fld id="{05D35302-9149-E745-9377-7BCC7686722D}" type="datetimeFigureOut">
               <a:rPr lang="it-IT" smtClean="0"/>
-              <a:t>02/08/24</a:t>
+              <a:t>02/08/2024</a:t>
             </a:fld>
             <a:endParaRPr lang="it-IT"/>
           </a:p>
@@ -6730,7 +6730,7 @@
           <a:lstStyle/>
           <a:p>
             <a:pPr algn="r"/>
-            <a:endParaRPr lang="it-IT" sz="1500" b="1" i="0" u="none" strike="noStrike">
+            <a:endParaRPr lang="it-IT" sz="1500" b="1" i="0" u="none" strike="noStrike" dirty="0">
               <a:solidFill>
                 <a:srgbClr val="FFFFFF"/>
               </a:solidFill>
@@ -6740,7 +6740,7 @@
           <a:p>
             <a:pPr algn="r"/>
             <a:r>
-              <a:rPr lang="it-IT" sz="1500" b="1" i="0" u="none" strike="noStrike">
+              <a:rPr lang="it-IT" sz="1500" b="1" i="0" u="none" strike="noStrike" dirty="0">
                 <a:solidFill>
                   <a:srgbClr val="FFFFFF"/>
                 </a:solidFill>
@@ -6749,7 +6749,7 @@
               <a:t>Nome del Gruppo o Team:</a:t>
             </a:r>
             <a:r>
-              <a:rPr lang="it-IT" sz="1500" b="0" i="0" u="none" strike="noStrike">
+              <a:rPr lang="it-IT" sz="1500" b="0" i="0" u="none" strike="noStrike" dirty="0">
                 <a:solidFill>
                   <a:srgbClr val="FFFFFF"/>
                 </a:solidFill>
@@ -6762,7 +6762,7 @@
           <a:p>
             <a:pPr algn="r"/>
             <a:r>
-              <a:rPr lang="it-IT" sz="1500" b="1">
+              <a:rPr lang="it-IT" sz="1500" b="1" dirty="0">
                 <a:solidFill>
                   <a:srgbClr val="FFFFFF"/>
                 </a:solidFill>
@@ -6771,15 +6771,15 @@
               <a:t>Partecipanti: </a:t>
             </a:r>
             <a:r>
-              <a:rPr lang="it-IT" sz="1500">
+              <a:rPr lang="it-IT" sz="1500" dirty="0">
                 <a:solidFill>
                   <a:srgbClr val="FFFFFF"/>
                 </a:solidFill>
                 <a:latin typeface="-webkit-standard"/>
               </a:rPr>
-              <a:t>Marangoni Flavio, Teti Francesco, Paio Pierpaolo, Borella Michal Andrea</a:t>
+              <a:t>Marangon Flavio, Teti Francesco, Paio Pierpaolo, Borella Michal Andrea</a:t>
             </a:r>
-            <a:endParaRPr lang="it-IT" sz="1500">
+            <a:endParaRPr lang="it-IT" sz="1500" dirty="0">
               <a:solidFill>
                 <a:srgbClr val="FFFFFF"/>
               </a:solidFill>
@@ -8739,7 +8739,7 @@
           <a:p>
             <a:r>
               <a:rPr lang="it-IT" sz="2000" dirty="0"/>
-              <a:t>QA: Marangoni Flavio</a:t>
+              <a:t>QA: Marangon Flavio</a:t>
             </a:r>
           </a:p>
           <a:p>
@@ -9446,16 +9446,16 @@
           <a:p>
             <a:pPr algn="r"/>
             <a:r>
-              <a:rPr lang="it-IT" sz="4000" b="0" i="0" u="none" strike="noStrike">
+              <a:rPr lang="it-IT" sz="4000" b="0" i="0" u="none" strike="noStrike" dirty="0">
                 <a:solidFill>
                   <a:srgbClr val="FFFFFF"/>
                 </a:solidFill>
                 <a:effectLst/>
                 <a:latin typeface="-webkit-standard"/>
               </a:rPr>
-              <a:t>Estrazione del Disegno Funzionale (da Miro)</a:t>
+              <a:t>Estrazione del Disegno Funzionale</a:t>
             </a:r>
-            <a:endParaRPr lang="it-IT" sz="4000">
+            <a:endParaRPr lang="it-IT" sz="4000" dirty="0">
               <a:solidFill>
                 <a:srgbClr val="FFFFFF"/>
               </a:solidFill>
